--- a/finalTask.pptx
+++ b/finalTask.pptx
@@ -8,7 +8,9 @@
     <p:sldId id="256" r:id="rId2"/>
     <p:sldId id="257" r:id="rId3"/>
     <p:sldId id="258" r:id="rId4"/>
-    <p:sldId id="259" r:id="rId5"/>
+    <p:sldId id="260" r:id="rId5"/>
+    <p:sldId id="259" r:id="rId6"/>
+    <p:sldId id="261" r:id="rId7"/>
   </p:sldIdLst>
   <p:sldSz cx="12192000" cy="6858000"/>
   <p:notesSz cx="6858000" cy="9144000"/>
@@ -107,6 +109,11 @@
       </a:defRPr>
     </a:lvl9pPr>
   </p:defaultTextStyle>
+  <p:extLst>
+    <p:ext uri="{EFAFB233-063F-42B5-8137-9DF3F51BA10A}">
+      <p15:sldGuideLst xmlns:p15="http://schemas.microsoft.com/office/powerpoint/2012/main"/>
+    </p:ext>
+  </p:extLst>
 </p:presentation>
 </file>
 
@@ -257,7 +264,7 @@
           <a:p>
             <a:fld id="{595EEDCD-1A3A-6B4F-B1E3-51FC320C8644}" type="datetimeFigureOut">
               <a:rPr kumimoji="1" lang="ja-JP" altLang="en-US" smtClean="0"/>
-              <a:t>2025/9/25</a:t>
+              <a:t>2025/9/26</a:t>
             </a:fld>
             <a:endParaRPr kumimoji="1" lang="ja-JP" altLang="en-US"/>
           </a:p>
@@ -487,7 +494,7 @@
           <a:p>
             <a:fld id="{595EEDCD-1A3A-6B4F-B1E3-51FC320C8644}" type="datetimeFigureOut">
               <a:rPr kumimoji="1" lang="ja-JP" altLang="en-US" smtClean="0"/>
-              <a:t>2025/9/25</a:t>
+              <a:t>2025/9/26</a:t>
             </a:fld>
             <a:endParaRPr kumimoji="1" lang="ja-JP" altLang="en-US"/>
           </a:p>
@@ -727,7 +734,7 @@
           <a:p>
             <a:fld id="{595EEDCD-1A3A-6B4F-B1E3-51FC320C8644}" type="datetimeFigureOut">
               <a:rPr kumimoji="1" lang="ja-JP" altLang="en-US" smtClean="0"/>
-              <a:t>2025/9/25</a:t>
+              <a:t>2025/9/26</a:t>
             </a:fld>
             <a:endParaRPr kumimoji="1" lang="ja-JP" altLang="en-US"/>
           </a:p>
@@ -957,7 +964,7 @@
           <a:p>
             <a:fld id="{595EEDCD-1A3A-6B4F-B1E3-51FC320C8644}" type="datetimeFigureOut">
               <a:rPr kumimoji="1" lang="ja-JP" altLang="en-US" smtClean="0"/>
-              <a:t>2025/9/25</a:t>
+              <a:t>2025/9/26</a:t>
             </a:fld>
             <a:endParaRPr kumimoji="1" lang="ja-JP" altLang="en-US"/>
           </a:p>
@@ -1232,7 +1239,7 @@
           <a:p>
             <a:fld id="{595EEDCD-1A3A-6B4F-B1E3-51FC320C8644}" type="datetimeFigureOut">
               <a:rPr kumimoji="1" lang="ja-JP" altLang="en-US" smtClean="0"/>
-              <a:t>2025/9/25</a:t>
+              <a:t>2025/9/26</a:t>
             </a:fld>
             <a:endParaRPr kumimoji="1" lang="ja-JP" altLang="en-US"/>
           </a:p>
@@ -1561,7 +1568,7 @@
           <a:p>
             <a:fld id="{595EEDCD-1A3A-6B4F-B1E3-51FC320C8644}" type="datetimeFigureOut">
               <a:rPr kumimoji="1" lang="ja-JP" altLang="en-US" smtClean="0"/>
-              <a:t>2025/9/25</a:t>
+              <a:t>2025/9/26</a:t>
             </a:fld>
             <a:endParaRPr kumimoji="1" lang="ja-JP" altLang="en-US"/>
           </a:p>
@@ -2037,7 +2044,7 @@
           <a:p>
             <a:fld id="{595EEDCD-1A3A-6B4F-B1E3-51FC320C8644}" type="datetimeFigureOut">
               <a:rPr kumimoji="1" lang="ja-JP" altLang="en-US" smtClean="0"/>
-              <a:t>2025/9/25</a:t>
+              <a:t>2025/9/26</a:t>
             </a:fld>
             <a:endParaRPr kumimoji="1" lang="ja-JP" altLang="en-US"/>
           </a:p>
@@ -2178,7 +2185,7 @@
           <a:p>
             <a:fld id="{595EEDCD-1A3A-6B4F-B1E3-51FC320C8644}" type="datetimeFigureOut">
               <a:rPr kumimoji="1" lang="ja-JP" altLang="en-US" smtClean="0"/>
-              <a:t>2025/9/25</a:t>
+              <a:t>2025/9/26</a:t>
             </a:fld>
             <a:endParaRPr kumimoji="1" lang="ja-JP" altLang="en-US"/>
           </a:p>
@@ -2291,7 +2298,7 @@
           <a:p>
             <a:fld id="{595EEDCD-1A3A-6B4F-B1E3-51FC320C8644}" type="datetimeFigureOut">
               <a:rPr kumimoji="1" lang="ja-JP" altLang="en-US" smtClean="0"/>
-              <a:t>2025/9/25</a:t>
+              <a:t>2025/9/26</a:t>
             </a:fld>
             <a:endParaRPr kumimoji="1" lang="ja-JP" altLang="en-US"/>
           </a:p>
@@ -2634,7 +2641,7 @@
           <a:p>
             <a:fld id="{595EEDCD-1A3A-6B4F-B1E3-51FC320C8644}" type="datetimeFigureOut">
               <a:rPr kumimoji="1" lang="ja-JP" altLang="en-US" smtClean="0"/>
-              <a:t>2025/9/25</a:t>
+              <a:t>2025/9/26</a:t>
             </a:fld>
             <a:endParaRPr kumimoji="1" lang="ja-JP" altLang="en-US"/>
           </a:p>
@@ -2922,7 +2929,7 @@
           <a:p>
             <a:fld id="{595EEDCD-1A3A-6B4F-B1E3-51FC320C8644}" type="datetimeFigureOut">
               <a:rPr kumimoji="1" lang="ja-JP" altLang="en-US" smtClean="0"/>
-              <a:t>2025/9/25</a:t>
+              <a:t>2025/9/26</a:t>
             </a:fld>
             <a:endParaRPr kumimoji="1" lang="ja-JP" altLang="en-US"/>
           </a:p>
@@ -3195,7 +3202,7 @@
           <a:p>
             <a:fld id="{595EEDCD-1A3A-6B4F-B1E3-51FC320C8644}" type="datetimeFigureOut">
               <a:rPr kumimoji="1" lang="ja-JP" altLang="en-US" smtClean="0"/>
-              <a:t>2025/9/25</a:t>
+              <a:t>2025/9/26</a:t>
             </a:fld>
             <a:endParaRPr kumimoji="1" lang="ja-JP" altLang="en-US"/>
           </a:p>
@@ -3636,27 +3643,42 @@
         </p:spPr>
         <p:txBody>
           <a:bodyPr>
-            <a:normAutofit fontScale="90000"/>
+            <a:normAutofit/>
           </a:bodyPr>
           <a:lstStyle/>
           <a:p>
             <a:r>
-              <a:rPr kumimoji="1" lang="ja-JP" altLang="en-US" b="1"/>
+              <a:rPr kumimoji="1" lang="ja-JP" altLang="en-US">
+                <a:latin typeface="+mn-lt"/>
+                <a:ea typeface="Meiryo" panose="020B0604030504040204" pitchFamily="34" charset="-128"/>
+              </a:rPr>
               <a:t>生成</a:t>
             </a:r>
             <a:r>
-              <a:rPr kumimoji="1" lang="en-US" altLang="ja-JP" b="1" dirty="0"/>
+              <a:rPr kumimoji="1" lang="en-US" altLang="ja-JP" dirty="0">
+                <a:latin typeface="+mn-lt"/>
+                <a:ea typeface="Meiryo" panose="020B0604030504040204" pitchFamily="34" charset="-128"/>
+              </a:rPr>
               <a:t>AI</a:t>
             </a:r>
             <a:r>
-              <a:rPr kumimoji="1" lang="ja-JP" altLang="en-US" b="1"/>
+              <a:rPr kumimoji="1" lang="ja-JP" altLang="en-US">
+                <a:latin typeface="+mn-lt"/>
+                <a:ea typeface="Meiryo" panose="020B0604030504040204" pitchFamily="34" charset="-128"/>
+              </a:rPr>
               <a:t>基礎とビジネス応用</a:t>
             </a:r>
             <a:br>
-              <a:rPr kumimoji="1" lang="en-US" altLang="ja-JP" b="1" dirty="0"/>
+              <a:rPr kumimoji="1" lang="en-US" altLang="ja-JP" dirty="0">
+                <a:latin typeface="+mn-lt"/>
+                <a:ea typeface="Meiryo" panose="020B0604030504040204" pitchFamily="34" charset="-128"/>
+              </a:rPr>
             </a:br>
             <a:r>
-              <a:rPr kumimoji="1" lang="ja-JP" altLang="en-US" b="1"/>
+              <a:rPr kumimoji="1" lang="ja-JP" altLang="en-US">
+                <a:latin typeface="+mn-lt"/>
+                <a:ea typeface="Meiryo" panose="020B0604030504040204" pitchFamily="34" charset="-128"/>
+              </a:rPr>
               <a:t>最終課題説明資料</a:t>
             </a:r>
           </a:p>
@@ -3819,25 +3841,73 @@
         <p:spPr>
           <a:xfrm>
             <a:off x="838199" y="1825625"/>
-            <a:ext cx="10515599" cy="4351338"/>
+            <a:ext cx="11195958" cy="4351338"/>
           </a:xfrm>
         </p:spPr>
         <p:txBody>
-          <a:bodyPr/>
-          <a:lstStyle/>
-          <a:p>
-            <a:r>
-              <a:rPr kumimoji="1" lang="ja-JP" altLang="en-US"/>
-              <a:t>ゲーム販売プラットフォームである</a:t>
-            </a:r>
-            <a:r>
-              <a:rPr kumimoji="1" lang="en-US" altLang="ja-JP" dirty="0"/>
+          <a:bodyPr>
+            <a:normAutofit/>
+          </a:bodyPr>
+          <a:lstStyle/>
+          <a:p>
+            <a:r>
+              <a:rPr lang="ja-JP" altLang="en-US" sz="3200"/>
+              <a:t>ゲーム販売プラットフォームである「</a:t>
+            </a:r>
+            <a:r>
+              <a:rPr lang="en-US" altLang="ja-JP" sz="3200" dirty="0"/>
               <a:t>Steam</a:t>
             </a:r>
             <a:r>
-              <a:rPr kumimoji="1" lang="ja-JP" altLang="en-US"/>
-              <a:t>上にあるゲームから，ユーザの好みに合うゲームを探してレコメンドするアプリケーションを作成する．</a:t>
-            </a:r>
+              <a:rPr lang="ja-JP" altLang="en-US" sz="3200"/>
+              <a:t>」内の情報を</a:t>
+            </a:r>
+            <a:r>
+              <a:rPr lang="en-US" altLang="ja-JP" sz="3200" dirty="0"/>
+              <a:t>LLM</a:t>
+            </a:r>
+            <a:r>
+              <a:rPr lang="ja-JP" altLang="en-US" sz="3200"/>
+              <a:t>の</a:t>
+            </a:r>
+            <a:r>
+              <a:rPr lang="en-US" altLang="ja-JP" sz="3200" dirty="0"/>
+              <a:t>RAG</a:t>
+            </a:r>
+            <a:r>
+              <a:rPr lang="ja-JP" altLang="en-US" sz="3200"/>
+              <a:t>として使用し，ユーザのクエリに応じておすすめのゲームを提示するアプリケーションを作成した．</a:t>
+            </a:r>
+            <a:endParaRPr lang="en-US" altLang="ja-JP" sz="3200" dirty="0"/>
+          </a:p>
+          <a:p>
+            <a:endParaRPr lang="en-US" altLang="ja-JP" sz="3200" dirty="0"/>
+          </a:p>
+          <a:p>
+            <a:r>
+              <a:rPr lang="ja-JP" altLang="en-US" sz="3200"/>
+              <a:t>「</a:t>
+            </a:r>
+            <a:r>
+              <a:rPr lang="en-US" altLang="ja-JP" sz="3200" dirty="0"/>
+              <a:t>Steam</a:t>
+            </a:r>
+            <a:r>
+              <a:rPr lang="ja-JP" altLang="en-US" sz="3200"/>
+              <a:t>」上には現在約</a:t>
+            </a:r>
+            <a:r>
+              <a:rPr lang="en-US" altLang="ja-JP" sz="3200" dirty="0"/>
+              <a:t>9</a:t>
+            </a:r>
+            <a:r>
+              <a:rPr lang="ja-JP" altLang="en-US" sz="3200"/>
+              <a:t>万本ものゲームが販売されているため推薦システムはユーザの購買を促す上で重要である．</a:t>
+            </a:r>
+            <a:endParaRPr lang="en-US" altLang="ja-JP" sz="3200" dirty="0"/>
+          </a:p>
+          <a:p>
+            <a:pPr lvl="1"/>
             <a:endParaRPr kumimoji="1" lang="en-US" altLang="ja-JP" dirty="0"/>
           </a:p>
         </p:txBody>
@@ -3922,41 +3992,131 @@
         </p:nvSpPr>
         <p:spPr/>
         <p:txBody>
-          <a:bodyPr/>
-          <a:lstStyle/>
-          <a:p>
+          <a:bodyPr>
+            <a:normAutofit/>
+          </a:bodyPr>
+          <a:lstStyle/>
+          <a:p>
+            <a:r>
+              <a:rPr lang="ja-JP" altLang="en-US"/>
+              <a:t>要素</a:t>
+            </a:r>
             <a:r>
               <a:rPr lang="en-US" altLang="ja-JP" dirty="0"/>
-              <a:t>Steam</a:t>
+              <a:t>/</a:t>
             </a:r>
             <a:r>
               <a:rPr lang="ja-JP" altLang="en-US"/>
-              <a:t>上のゲームに関する評価やレビュー，タイトル等がまとめられた</a:t>
+              <a:t>環境</a:t>
+            </a:r>
+            <a:endParaRPr lang="en-US" altLang="ja-JP" dirty="0"/>
+          </a:p>
+          <a:p>
+            <a:pPr lvl="1"/>
+            <a:r>
+              <a:rPr lang="en" altLang="ja-JP" sz="2800" dirty="0" err="1"/>
+              <a:t>deepseek</a:t>
+            </a:r>
+            <a:r>
+              <a:rPr lang="en" altLang="ja-JP" sz="2800" dirty="0"/>
+              <a:t>-ai/DeepSeek-R1-Distill-Qwen-7B</a:t>
+            </a:r>
+          </a:p>
+          <a:p>
+            <a:pPr lvl="1"/>
+            <a:r>
+              <a:rPr lang="en" altLang="ja-JP" sz="2800" dirty="0" err="1"/>
+              <a:t>LangChain</a:t>
+            </a:r>
+            <a:r>
+              <a:rPr lang="ja-JP" altLang="en-US" sz="2800"/>
+              <a:t>による</a:t>
+            </a:r>
+            <a:r>
+              <a:rPr lang="en-US" altLang="ja-JP" sz="2800" dirty="0"/>
+              <a:t>LLM</a:t>
+            </a:r>
+            <a:r>
+              <a:rPr lang="ja-JP" altLang="en-US" sz="2800"/>
+              <a:t>呼び出し</a:t>
+            </a:r>
+            <a:endParaRPr lang="en-US" altLang="ja-JP" sz="2800" dirty="0"/>
+          </a:p>
+          <a:p>
+            <a:pPr lvl="1"/>
+            <a:r>
+              <a:rPr lang="en-US" altLang="ja-JP" sz="2800" dirty="0"/>
+              <a:t>Google </a:t>
+            </a:r>
+            <a:r>
+              <a:rPr lang="en-US" altLang="ja-JP" sz="2800" dirty="0" err="1"/>
+              <a:t>Colab</a:t>
+            </a:r>
+            <a:r>
+              <a:rPr lang="en-US" altLang="ja-JP" sz="2800" dirty="0"/>
+              <a:t>, A100 GPU</a:t>
+            </a:r>
+            <a:endParaRPr lang="en" altLang="ja-JP" sz="2800" dirty="0"/>
+          </a:p>
+          <a:p>
+            <a:pPr lvl="1"/>
+            <a:endParaRPr lang="en" altLang="ja-JP" sz="2800" dirty="0"/>
+          </a:p>
+          <a:p>
+            <a:pPr lvl="1"/>
+            <a:endParaRPr lang="en" altLang="ja-JP" sz="2800" dirty="0"/>
+          </a:p>
+          <a:p>
+            <a:r>
+              <a:rPr lang="ja-JP" altLang="en-US"/>
+              <a:t>使用したデータセット</a:t>
+            </a:r>
+            <a:endParaRPr lang="en-US" altLang="ja-JP" dirty="0"/>
+          </a:p>
+          <a:p>
+            <a:pPr lvl="1"/>
+            <a:r>
+              <a:rPr lang="en" altLang="ja-JP" dirty="0"/>
+              <a:t>games_march2025_cleaned.csv (</a:t>
+            </a:r>
+            <a:r>
+              <a:rPr lang="en" altLang="ja-JP" dirty="0" err="1"/>
+              <a:t>kaggle</a:t>
+            </a:r>
+            <a:r>
+              <a:rPr lang="ja-JP" altLang="en-US"/>
+              <a:t>から入手</a:t>
             </a:r>
             <a:r>
               <a:rPr lang="en-US" altLang="ja-JP" dirty="0"/>
-              <a:t>csv</a:t>
-            </a:r>
-            <a:r>
-              <a:rPr lang="ja-JP" altLang="en-US"/>
-              <a:t>ファイルを</a:t>
+              <a:t>, https://</a:t>
             </a:r>
             <a:r>
               <a:rPr lang="en-US" altLang="ja-JP" dirty="0" err="1"/>
-              <a:t>kaggle</a:t>
-            </a:r>
-            <a:r>
-              <a:rPr lang="ja-JP" altLang="en-US"/>
-              <a:t>から入手し，</a:t>
+              <a:t>www.kaggle.com</a:t>
             </a:r>
             <a:r>
               <a:rPr lang="en-US" altLang="ja-JP" dirty="0"/>
-              <a:t>RAG</a:t>
-            </a:r>
-            <a:r>
-              <a:rPr lang="ja-JP" altLang="en-US"/>
-              <a:t>として用いた</a:t>
-            </a:r>
+              <a:t>/datasets/</a:t>
+            </a:r>
+            <a:r>
+              <a:rPr lang="en-US" altLang="ja-JP" dirty="0" err="1"/>
+              <a:t>artermiloff</a:t>
+            </a:r>
+            <a:r>
+              <a:rPr lang="en-US" altLang="ja-JP" dirty="0"/>
+              <a:t>/steam-games-dataset/data</a:t>
+            </a:r>
+            <a:r>
+              <a:rPr lang="en" altLang="ja-JP" dirty="0"/>
+              <a:t>)</a:t>
+            </a:r>
+          </a:p>
+          <a:p>
+            <a:pPr lvl="1"/>
+            <a:endParaRPr lang="en-US" altLang="ja-JP" dirty="0"/>
+          </a:p>
+          <a:p>
             <a:endParaRPr kumimoji="1" lang="ja-JP" altLang="en-US"/>
           </a:p>
         </p:txBody>
@@ -3979,7 +4139,13 @@
   <p:cSld>
     <p:spTree>
       <p:nvGrpSpPr>
-        <p:cNvPr id="1" name=""/>
+        <p:cNvPr id="1" name="">
+          <a:extLst>
+            <a:ext uri="{FF2B5EF4-FFF2-40B4-BE49-F238E27FC236}">
+              <a16:creationId xmlns:a16="http://schemas.microsoft.com/office/drawing/2014/main" id="{53E79E5E-4280-9481-5252-1A200DE2DE25}"/>
+            </a:ext>
+          </a:extLst>
+        </p:cNvPr>
         <p:cNvGrpSpPr/>
         <p:nvPr/>
       </p:nvGrpSpPr>
@@ -3996,7 +4162,7 @@
           <p:cNvPr id="2" name="タイトル 1">
             <a:extLst>
               <a:ext uri="{FF2B5EF4-FFF2-40B4-BE49-F238E27FC236}">
-                <a16:creationId xmlns:a16="http://schemas.microsoft.com/office/drawing/2014/main" id="{892B6933-7616-621E-9B32-2449348D6699}"/>
+                <a16:creationId xmlns:a16="http://schemas.microsoft.com/office/drawing/2014/main" id="{842E5C84-23F7-A89F-FEEC-4D7621882C90}"/>
               </a:ext>
             </a:extLst>
           </p:cNvPr>
@@ -4013,9 +4179,13 @@
           <a:lstStyle/>
           <a:p>
             <a:r>
-              <a:rPr kumimoji="1" lang="ja-JP" altLang="en-US" b="1"/>
-              <a:t>結果</a:t>
-            </a:r>
+              <a:rPr kumimoji="1" lang="ja-JP" altLang="en-US">
+                <a:latin typeface="Meiryo" panose="020B0604030504040204" pitchFamily="34" charset="-128"/>
+                <a:ea typeface="Meiryo" panose="020B0604030504040204" pitchFamily="34" charset="-128"/>
+              </a:rPr>
+              <a:t>実装</a:t>
+            </a:r>
+            <a:endParaRPr kumimoji="1" lang="ja-JP" altLang="en-US"/>
           </a:p>
         </p:txBody>
       </p:sp>
@@ -4024,7 +4194,7 @@
           <p:cNvPr id="3" name="コンテンツ プレースホルダー 2">
             <a:extLst>
               <a:ext uri="{FF2B5EF4-FFF2-40B4-BE49-F238E27FC236}">
-                <a16:creationId xmlns:a16="http://schemas.microsoft.com/office/drawing/2014/main" id="{A53AD4F2-305A-783F-018A-96B90BFE9737}"/>
+                <a16:creationId xmlns:a16="http://schemas.microsoft.com/office/drawing/2014/main" id="{EB6F9C46-C76D-6555-1A76-649C1B3A4C59}"/>
               </a:ext>
             </a:extLst>
           </p:cNvPr>
@@ -4040,14 +4210,11 @@
           <a:bodyPr/>
           <a:lstStyle/>
           <a:p>
-            <a:r>
-              <a:rPr kumimoji="1" lang="ja-JP" altLang="en-US"/>
-              <a:t>使用したモデル：</a:t>
-            </a:r>
-            <a:r>
-              <a:rPr lang="en" altLang="ja-JP" dirty="0"/>
-              <a:t>ELYZA-japanese-Llama-2-7b</a:t>
-            </a:r>
+            <a:endParaRPr lang="en" altLang="ja-JP" dirty="0"/>
+          </a:p>
+          <a:p>
+            <a:pPr lvl="1"/>
+            <a:endParaRPr lang="en-US" altLang="ja-JP" dirty="0"/>
           </a:p>
           <a:p>
             <a:endParaRPr kumimoji="1" lang="ja-JP" altLang="en-US"/>
@@ -4056,10 +4223,10 @@
       </p:sp>
       <p:pic>
         <p:nvPicPr>
-          <p:cNvPr id="7" name="図 6" descr="テキスト&#10;&#10;AI 生成コンテンツは誤りを含む可能性があります。">
-            <a:extLst>
-              <a:ext uri="{FF2B5EF4-FFF2-40B4-BE49-F238E27FC236}">
-                <a16:creationId xmlns:a16="http://schemas.microsoft.com/office/drawing/2014/main" id="{F02A5581-3922-220C-5F97-347788B22E2D}"/>
+          <p:cNvPr id="7" name="図 6">
+            <a:extLst>
+              <a:ext uri="{FF2B5EF4-FFF2-40B4-BE49-F238E27FC236}">
+                <a16:creationId xmlns:a16="http://schemas.microsoft.com/office/drawing/2014/main" id="{87FEB98A-C28A-FF35-F41C-C60B34100087}"/>
               </a:ext>
             </a:extLst>
           </p:cNvPr>
@@ -4076,8 +4243,8 @@
         </p:blipFill>
         <p:spPr>
           <a:xfrm>
-            <a:off x="1235045" y="2778053"/>
-            <a:ext cx="9223146" cy="3056082"/>
+            <a:off x="1035367" y="1825625"/>
+            <a:ext cx="10318433" cy="4486275"/>
           </a:xfrm>
           <a:prstGeom prst="rect">
             <a:avLst/>
@@ -4087,7 +4254,227 @@
     </p:spTree>
     <p:extLst>
       <p:ext uri="{BB962C8B-B14F-4D97-AF65-F5344CB8AC3E}">
+        <p14:creationId xmlns:p14="http://schemas.microsoft.com/office/powerpoint/2010/main" val="408877019"/>
+      </p:ext>
+    </p:extLst>
+  </p:cSld>
+  <p:clrMapOvr>
+    <a:masterClrMapping/>
+  </p:clrMapOvr>
+</p:sld>
+</file>
+
+<file path=ppt/slides/slide5.xml><?xml version="1.0" encoding="utf-8"?>
+<p:sld xmlns:a="http://schemas.openxmlformats.org/drawingml/2006/main" xmlns:r="http://schemas.openxmlformats.org/officeDocument/2006/relationships" xmlns:p="http://schemas.openxmlformats.org/presentationml/2006/main">
+  <p:cSld>
+    <p:spTree>
+      <p:nvGrpSpPr>
+        <p:cNvPr id="1" name=""/>
+        <p:cNvGrpSpPr/>
+        <p:nvPr/>
+      </p:nvGrpSpPr>
+      <p:grpSpPr>
+        <a:xfrm>
+          <a:off x="0" y="0"/>
+          <a:ext cx="0" cy="0"/>
+          <a:chOff x="0" y="0"/>
+          <a:chExt cx="0" cy="0"/>
+        </a:xfrm>
+      </p:grpSpPr>
+      <p:sp>
+        <p:nvSpPr>
+          <p:cNvPr id="2" name="タイトル 1">
+            <a:extLst>
+              <a:ext uri="{FF2B5EF4-FFF2-40B4-BE49-F238E27FC236}">
+                <a16:creationId xmlns:a16="http://schemas.microsoft.com/office/drawing/2014/main" id="{892B6933-7616-621E-9B32-2449348D6699}"/>
+              </a:ext>
+            </a:extLst>
+          </p:cNvPr>
+          <p:cNvSpPr>
+            <a:spLocks noGrp="1"/>
+          </p:cNvSpPr>
+          <p:nvPr>
+            <p:ph type="title"/>
+          </p:nvPr>
+        </p:nvSpPr>
+        <p:spPr/>
+        <p:txBody>
+          <a:bodyPr/>
+          <a:lstStyle/>
+          <a:p>
+            <a:r>
+              <a:rPr lang="ja-JP" altLang="en-US" b="1"/>
+              <a:t>出力例</a:t>
+            </a:r>
+            <a:endParaRPr kumimoji="1" lang="ja-JP" altLang="en-US" b="1"/>
+          </a:p>
+        </p:txBody>
+      </p:sp>
+      <p:pic>
+        <p:nvPicPr>
+          <p:cNvPr id="5" name="コンテンツ プレースホルダー 4" descr="テキスト&#10;&#10;AI 生成コンテンツは誤りを含む可能性があります。">
+            <a:extLst>
+              <a:ext uri="{FF2B5EF4-FFF2-40B4-BE49-F238E27FC236}">
+                <a16:creationId xmlns:a16="http://schemas.microsoft.com/office/drawing/2014/main" id="{EA13A1EE-029F-56F5-837E-40BB75ABAF7B}"/>
+              </a:ext>
+            </a:extLst>
+          </p:cNvPr>
+          <p:cNvPicPr>
+            <a:picLocks noGrp="1" noChangeAspect="1"/>
+          </p:cNvPicPr>
+          <p:nvPr>
+            <p:ph idx="1"/>
+          </p:nvPr>
+        </p:nvPicPr>
+        <p:blipFill>
+          <a:blip r:embed="rId2"/>
+          <a:stretch>
+            <a:fillRect/>
+          </a:stretch>
+        </p:blipFill>
+        <p:spPr>
+          <a:xfrm>
+            <a:off x="3464122" y="365125"/>
+            <a:ext cx="6852415" cy="6492875"/>
+          </a:xfrm>
+        </p:spPr>
+      </p:pic>
+    </p:spTree>
+    <p:extLst>
+      <p:ext uri="{BB962C8B-B14F-4D97-AF65-F5344CB8AC3E}">
         <p14:creationId xmlns:p14="http://schemas.microsoft.com/office/powerpoint/2010/main" val="582284351"/>
+      </p:ext>
+    </p:extLst>
+  </p:cSld>
+  <p:clrMapOvr>
+    <a:masterClrMapping/>
+  </p:clrMapOvr>
+</p:sld>
+</file>
+
+<file path=ppt/slides/slide6.xml><?xml version="1.0" encoding="utf-8"?>
+<p:sld xmlns:a="http://schemas.openxmlformats.org/drawingml/2006/main" xmlns:r="http://schemas.openxmlformats.org/officeDocument/2006/relationships" xmlns:p="http://schemas.openxmlformats.org/presentationml/2006/main">
+  <p:cSld>
+    <p:spTree>
+      <p:nvGrpSpPr>
+        <p:cNvPr id="1" name="">
+          <a:extLst>
+            <a:ext uri="{FF2B5EF4-FFF2-40B4-BE49-F238E27FC236}">
+              <a16:creationId xmlns:a16="http://schemas.microsoft.com/office/drawing/2014/main" id="{C569680B-BF5B-70DB-8FDD-3F96D2F303B2}"/>
+            </a:ext>
+          </a:extLst>
+        </p:cNvPr>
+        <p:cNvGrpSpPr/>
+        <p:nvPr/>
+      </p:nvGrpSpPr>
+      <p:grpSpPr>
+        <a:xfrm>
+          <a:off x="0" y="0"/>
+          <a:ext cx="0" cy="0"/>
+          <a:chOff x="0" y="0"/>
+          <a:chExt cx="0" cy="0"/>
+        </a:xfrm>
+      </p:grpSpPr>
+      <p:sp>
+        <p:nvSpPr>
+          <p:cNvPr id="2" name="タイトル 1">
+            <a:extLst>
+              <a:ext uri="{FF2B5EF4-FFF2-40B4-BE49-F238E27FC236}">
+                <a16:creationId xmlns:a16="http://schemas.microsoft.com/office/drawing/2014/main" id="{9845A01B-143F-2E49-B758-6BD77C8AA5DA}"/>
+              </a:ext>
+            </a:extLst>
+          </p:cNvPr>
+          <p:cNvSpPr>
+            <a:spLocks noGrp="1"/>
+          </p:cNvSpPr>
+          <p:nvPr>
+            <p:ph type="title"/>
+          </p:nvPr>
+        </p:nvSpPr>
+        <p:spPr/>
+        <p:txBody>
+          <a:bodyPr/>
+          <a:lstStyle/>
+          <a:p>
+            <a:r>
+              <a:rPr kumimoji="1" lang="ja-JP" altLang="en-US" b="1"/>
+              <a:t>問題点</a:t>
+            </a:r>
+          </a:p>
+        </p:txBody>
+      </p:sp>
+      <p:sp>
+        <p:nvSpPr>
+          <p:cNvPr id="3" name="コンテンツ プレースホルダー 2">
+            <a:extLst>
+              <a:ext uri="{FF2B5EF4-FFF2-40B4-BE49-F238E27FC236}">
+                <a16:creationId xmlns:a16="http://schemas.microsoft.com/office/drawing/2014/main" id="{353DFDE8-5D5A-4836-43AA-5EFEEB6B7913}"/>
+              </a:ext>
+            </a:extLst>
+          </p:cNvPr>
+          <p:cNvSpPr>
+            <a:spLocks noGrp="1"/>
+          </p:cNvSpPr>
+          <p:nvPr>
+            <p:ph idx="1"/>
+          </p:nvPr>
+        </p:nvSpPr>
+        <p:spPr/>
+        <p:txBody>
+          <a:bodyPr/>
+          <a:lstStyle/>
+          <a:p>
+            <a:r>
+              <a:rPr kumimoji="1" lang="ja-JP" altLang="en-US"/>
+              <a:t>的外れな回答</a:t>
+            </a:r>
+            <a:r>
+              <a:rPr kumimoji="1" lang="en-US" altLang="ja-JP" dirty="0"/>
+              <a:t>/</a:t>
+            </a:r>
+            <a:r>
+              <a:rPr kumimoji="1" lang="ja-JP" altLang="en-US"/>
+              <a:t>誤った回答が生成される．</a:t>
+            </a:r>
+            <a:endParaRPr kumimoji="1" lang="en-US" altLang="ja-JP" dirty="0"/>
+          </a:p>
+          <a:p>
+            <a:r>
+              <a:rPr lang="ja-JP" altLang="en-US"/>
+              <a:t>偏った回答が生成されやすい．</a:t>
+            </a:r>
+            <a:endParaRPr kumimoji="1" lang="en-US" altLang="ja-JP" dirty="0"/>
+          </a:p>
+          <a:p>
+            <a:r>
+              <a:rPr kumimoji="1" lang="ja-JP" altLang="en-US"/>
+              <a:t>チャット</a:t>
+            </a:r>
+            <a:r>
+              <a:rPr kumimoji="1" lang="en-US" altLang="ja-JP" dirty="0"/>
+              <a:t>BOT</a:t>
+            </a:r>
+            <a:r>
+              <a:rPr kumimoji="1" lang="ja-JP" altLang="en-US"/>
+              <a:t>のように対話はできない．</a:t>
+            </a:r>
+            <a:endParaRPr kumimoji="1" lang="en-US" altLang="ja-JP" dirty="0"/>
+          </a:p>
+          <a:p>
+            <a:endParaRPr kumimoji="1" lang="en-US" altLang="ja-JP" dirty="0"/>
+          </a:p>
+          <a:p>
+            <a:endParaRPr kumimoji="1" lang="en-US" altLang="ja-JP" dirty="0"/>
+          </a:p>
+          <a:p>
+            <a:endParaRPr kumimoji="1" lang="ja-JP" altLang="en-US"/>
+          </a:p>
+        </p:txBody>
+      </p:sp>
+    </p:spTree>
+    <p:extLst>
+      <p:ext uri="{BB962C8B-B14F-4D97-AF65-F5344CB8AC3E}">
+        <p14:creationId xmlns:p14="http://schemas.microsoft.com/office/powerpoint/2010/main" val="2955873284"/>
       </p:ext>
     </p:extLst>
   </p:cSld>

--- a/finalTask.pptx
+++ b/finalTask.pptx
@@ -3902,7 +3902,7 @@
             </a:r>
             <a:r>
               <a:rPr lang="ja-JP" altLang="en-US" sz="3200"/>
-              <a:t>万本ものゲームが販売されているため推薦システムはユーザの購買を促す上で重要である．</a:t>
+              <a:t>万本ものゲームが販売されているため，ユーザが自らの嗜好に合うゲームを見つけるのはかなりの労力がかかる．レコメンディングはユーザの購買を促す上で重要である．</a:t>
             </a:r>
             <a:endParaRPr lang="en-US" altLang="ja-JP" sz="3200" dirty="0"/>
           </a:p>
